--- a/Bubbles.pptx
+++ b/Bubbles.pptx
@@ -104,6 +104,11 @@
       </a:defRPr>
     </a:lvl9pPr>
   </p:defaultTextStyle>
+  <p:extLst>
+    <p:ext uri="{EFAFB233-063F-42B5-8137-9DF3F51BA10A}">
+      <p15:sldGuideLst xmlns:p15="http://schemas.microsoft.com/office/powerpoint/2012/main"/>
+    </p:ext>
+  </p:extLst>
 </p:presentation>
 </file>
 
@@ -238,7 +243,7 @@
           <a:p>
             <a:fld id="{4EF38AF1-14C2-4514-B967-E300D3564C96}" type="datetimeFigureOut">
               <a:rPr lang="en-GB" smtClean="0"/>
-              <a:t>29/05/2020</a:t>
+              <a:t>31/05/2020</a:t>
             </a:fld>
             <a:endParaRPr lang="en-GB"/>
           </a:p>
@@ -408,7 +413,7 @@
           <a:p>
             <a:fld id="{4EF38AF1-14C2-4514-B967-E300D3564C96}" type="datetimeFigureOut">
               <a:rPr lang="en-GB" smtClean="0"/>
-              <a:t>29/05/2020</a:t>
+              <a:t>31/05/2020</a:t>
             </a:fld>
             <a:endParaRPr lang="en-GB"/>
           </a:p>
@@ -588,7 +593,7 @@
           <a:p>
             <a:fld id="{4EF38AF1-14C2-4514-B967-E300D3564C96}" type="datetimeFigureOut">
               <a:rPr lang="en-GB" smtClean="0"/>
-              <a:t>29/05/2020</a:t>
+              <a:t>31/05/2020</a:t>
             </a:fld>
             <a:endParaRPr lang="en-GB"/>
           </a:p>
@@ -758,7 +763,7 @@
           <a:p>
             <a:fld id="{4EF38AF1-14C2-4514-B967-E300D3564C96}" type="datetimeFigureOut">
               <a:rPr lang="en-GB" smtClean="0"/>
-              <a:t>29/05/2020</a:t>
+              <a:t>31/05/2020</a:t>
             </a:fld>
             <a:endParaRPr lang="en-GB"/>
           </a:p>
@@ -1004,7 +1009,7 @@
           <a:p>
             <a:fld id="{4EF38AF1-14C2-4514-B967-E300D3564C96}" type="datetimeFigureOut">
               <a:rPr lang="en-GB" smtClean="0"/>
-              <a:t>29/05/2020</a:t>
+              <a:t>31/05/2020</a:t>
             </a:fld>
             <a:endParaRPr lang="en-GB"/>
           </a:p>
@@ -1236,7 +1241,7 @@
           <a:p>
             <a:fld id="{4EF38AF1-14C2-4514-B967-E300D3564C96}" type="datetimeFigureOut">
               <a:rPr lang="en-GB" smtClean="0"/>
-              <a:t>29/05/2020</a:t>
+              <a:t>31/05/2020</a:t>
             </a:fld>
             <a:endParaRPr lang="en-GB"/>
           </a:p>
@@ -1603,7 +1608,7 @@
           <a:p>
             <a:fld id="{4EF38AF1-14C2-4514-B967-E300D3564C96}" type="datetimeFigureOut">
               <a:rPr lang="en-GB" smtClean="0"/>
-              <a:t>29/05/2020</a:t>
+              <a:t>31/05/2020</a:t>
             </a:fld>
             <a:endParaRPr lang="en-GB"/>
           </a:p>
@@ -1721,7 +1726,7 @@
           <a:p>
             <a:fld id="{4EF38AF1-14C2-4514-B967-E300D3564C96}" type="datetimeFigureOut">
               <a:rPr lang="en-GB" smtClean="0"/>
-              <a:t>29/05/2020</a:t>
+              <a:t>31/05/2020</a:t>
             </a:fld>
             <a:endParaRPr lang="en-GB"/>
           </a:p>
@@ -1816,7 +1821,7 @@
           <a:p>
             <a:fld id="{4EF38AF1-14C2-4514-B967-E300D3564C96}" type="datetimeFigureOut">
               <a:rPr lang="en-GB" smtClean="0"/>
-              <a:t>29/05/2020</a:t>
+              <a:t>31/05/2020</a:t>
             </a:fld>
             <a:endParaRPr lang="en-GB"/>
           </a:p>
@@ -2093,7 +2098,7 @@
           <a:p>
             <a:fld id="{4EF38AF1-14C2-4514-B967-E300D3564C96}" type="datetimeFigureOut">
               <a:rPr lang="en-GB" smtClean="0"/>
-              <a:t>29/05/2020</a:t>
+              <a:t>31/05/2020</a:t>
             </a:fld>
             <a:endParaRPr lang="en-GB"/>
           </a:p>
@@ -2346,7 +2351,7 @@
           <a:p>
             <a:fld id="{4EF38AF1-14C2-4514-B967-E300D3564C96}" type="datetimeFigureOut">
               <a:rPr lang="en-GB" smtClean="0"/>
-              <a:t>29/05/2020</a:t>
+              <a:t>31/05/2020</a:t>
             </a:fld>
             <a:endParaRPr lang="en-GB"/>
           </a:p>
@@ -2559,7 +2564,7 @@
           <a:p>
             <a:fld id="{4EF38AF1-14C2-4514-B967-E300D3564C96}" type="datetimeFigureOut">
               <a:rPr lang="en-GB" smtClean="0"/>
-              <a:t>29/05/2020</a:t>
+              <a:t>31/05/2020</a:t>
             </a:fld>
             <a:endParaRPr lang="en-GB"/>
           </a:p>
@@ -2972,7 +2977,7 @@
         </p:nvSpPr>
         <p:spPr>
           <a:xfrm>
-            <a:off x="122464" y="244929"/>
+            <a:off x="138793" y="257359"/>
             <a:ext cx="11797393" cy="5257799"/>
           </a:xfrm>
           <a:prstGeom prst="ellipse">
@@ -3884,7 +3889,7 @@
         </p:nvSpPr>
         <p:spPr>
           <a:xfrm>
-            <a:off x="9606722" y="2142355"/>
+            <a:off x="10195936" y="3000151"/>
             <a:ext cx="1466490" cy="646331"/>
           </a:xfrm>
           <a:prstGeom prst="rect">
@@ -3917,6 +3922,180 @@
             <a:endParaRPr lang="en-GB" dirty="0">
               <a:solidFill>
                 <a:srgbClr val="0E79C2"/>
+              </a:solidFill>
+            </a:endParaRPr>
+          </a:p>
+        </p:txBody>
+      </p:sp>
+      <p:sp>
+        <p:nvSpPr>
+          <p:cNvPr id="3" name="Circular Arrow 2"/>
+          <p:cNvSpPr/>
+          <p:nvPr/>
+        </p:nvSpPr>
+        <p:spPr>
+          <a:xfrm>
+            <a:off x="9552346" y="3136723"/>
+            <a:ext cx="413221" cy="418057"/>
+          </a:xfrm>
+          <a:prstGeom prst="circularArrow">
+            <a:avLst>
+              <a:gd name="adj1" fmla="val 18634"/>
+              <a:gd name="adj2" fmla="val 1464817"/>
+              <a:gd name="adj3" fmla="val 19975169"/>
+              <a:gd name="adj4" fmla="val 2888974"/>
+              <a:gd name="adj5" fmla="val 21299"/>
+            </a:avLst>
+          </a:prstGeom>
+          <a:solidFill>
+            <a:srgbClr val="79A1C5"/>
+          </a:solidFill>
+          <a:ln>
+            <a:solidFill>
+              <a:schemeClr val="bg1"/>
+            </a:solidFill>
+          </a:ln>
+        </p:spPr>
+        <p:style>
+          <a:lnRef idx="2">
+            <a:schemeClr val="accent1">
+              <a:shade val="50000"/>
+            </a:schemeClr>
+          </a:lnRef>
+          <a:fillRef idx="1">
+            <a:schemeClr val="accent1"/>
+          </a:fillRef>
+          <a:effectRef idx="0">
+            <a:schemeClr val="accent1"/>
+          </a:effectRef>
+          <a:fontRef idx="minor">
+            <a:schemeClr val="lt1"/>
+          </a:fontRef>
+        </p:style>
+        <p:txBody>
+          <a:bodyPr rtlCol="0" anchor="ctr"/>
+          <a:lstStyle/>
+          <a:p>
+            <a:pPr algn="ctr"/>
+            <a:endParaRPr lang="en-GB">
+              <a:solidFill>
+                <a:schemeClr val="tx1"/>
+              </a:solidFill>
+            </a:endParaRPr>
+          </a:p>
+        </p:txBody>
+      </p:sp>
+      <p:sp>
+        <p:nvSpPr>
+          <p:cNvPr id="24" name="Circular Arrow 23"/>
+          <p:cNvSpPr/>
+          <p:nvPr/>
+        </p:nvSpPr>
+        <p:spPr>
+          <a:xfrm rot="6749956">
+            <a:off x="6303638" y="2057590"/>
+            <a:ext cx="668164" cy="530944"/>
+          </a:xfrm>
+          <a:prstGeom prst="circularArrow">
+            <a:avLst>
+              <a:gd name="adj1" fmla="val 19052"/>
+              <a:gd name="adj2" fmla="val 1436700"/>
+              <a:gd name="adj3" fmla="val 124733"/>
+              <a:gd name="adj4" fmla="val 11808153"/>
+              <a:gd name="adj5" fmla="val 20438"/>
+            </a:avLst>
+          </a:prstGeom>
+          <a:solidFill>
+            <a:srgbClr val="BDF2E8"/>
+          </a:solidFill>
+          <a:ln w="19050">
+            <a:solidFill>
+              <a:schemeClr val="bg1"/>
+            </a:solidFill>
+          </a:ln>
+        </p:spPr>
+        <p:style>
+          <a:lnRef idx="2">
+            <a:schemeClr val="accent1">
+              <a:shade val="50000"/>
+            </a:schemeClr>
+          </a:lnRef>
+          <a:fillRef idx="1">
+            <a:schemeClr val="accent1"/>
+          </a:fillRef>
+          <a:effectRef idx="0">
+            <a:schemeClr val="accent1"/>
+          </a:effectRef>
+          <a:fontRef idx="minor">
+            <a:schemeClr val="lt1"/>
+          </a:fontRef>
+        </p:style>
+        <p:txBody>
+          <a:bodyPr rtlCol="0" anchor="ctr"/>
+          <a:lstStyle/>
+          <a:p>
+            <a:pPr algn="ctr"/>
+            <a:endParaRPr lang="en-GB">
+              <a:solidFill>
+                <a:schemeClr val="tx1"/>
+              </a:solidFill>
+            </a:endParaRPr>
+          </a:p>
+        </p:txBody>
+      </p:sp>
+      <p:sp>
+        <p:nvSpPr>
+          <p:cNvPr id="27" name="Circular Arrow 26"/>
+          <p:cNvSpPr/>
+          <p:nvPr/>
+        </p:nvSpPr>
+        <p:spPr>
+          <a:xfrm rot="14288192">
+            <a:off x="1839431" y="2871251"/>
+            <a:ext cx="706438" cy="530944"/>
+          </a:xfrm>
+          <a:prstGeom prst="circularArrow">
+            <a:avLst>
+              <a:gd name="adj1" fmla="val 19052"/>
+              <a:gd name="adj2" fmla="val 1410489"/>
+              <a:gd name="adj3" fmla="val 124733"/>
+              <a:gd name="adj4" fmla="val 13209809"/>
+              <a:gd name="adj5" fmla="val 20438"/>
+            </a:avLst>
+          </a:prstGeom>
+          <a:solidFill>
+            <a:srgbClr val="EAEAEA"/>
+          </a:solidFill>
+          <a:ln w="19050">
+            <a:solidFill>
+              <a:schemeClr val="bg1"/>
+            </a:solidFill>
+          </a:ln>
+        </p:spPr>
+        <p:style>
+          <a:lnRef idx="2">
+            <a:schemeClr val="accent1">
+              <a:shade val="50000"/>
+            </a:schemeClr>
+          </a:lnRef>
+          <a:fillRef idx="1">
+            <a:schemeClr val="accent1"/>
+          </a:fillRef>
+          <a:effectRef idx="0">
+            <a:schemeClr val="accent1"/>
+          </a:effectRef>
+          <a:fontRef idx="minor">
+            <a:schemeClr val="lt1"/>
+          </a:fontRef>
+        </p:style>
+        <p:txBody>
+          <a:bodyPr rtlCol="0" anchor="ctr"/>
+          <a:lstStyle/>
+          <a:p>
+            <a:pPr algn="ctr"/>
+            <a:endParaRPr lang="en-GB">
+              <a:solidFill>
+                <a:schemeClr val="tx1"/>
               </a:solidFill>
             </a:endParaRPr>
           </a:p>
